--- a/Advanced Reactor Materials/Fall2023/Lec18_Finish.pptx
+++ b/Advanced Reactor Materials/Fall2023/Lec18_Finish.pptx
@@ -203,7 +203,7 @@
           <a:p>
             <a:fld id="{60A94640-27A7-D142-A7F1-7A0567BBD3BE}" type="datetimeFigureOut">
               <a:rPr lang="en-US" smtClean="0"/>
-              <a:t>11/9/23</a:t>
+              <a:t>12/13/23</a:t>
             </a:fld>
             <a:endParaRPr lang="en-US"/>
           </a:p>
@@ -658,7 +658,7 @@
             </a:pPr>
             <a:fld id="{7D4D3FB3-03A4-6449-AC63-751A0380213E}" type="datetime1">
               <a:rPr lang="en-US" smtClean="0"/>
-              <a:t>11/9/23</a:t>
+              <a:t>12/13/23</a:t>
             </a:fld>
             <a:endParaRPr lang="en-US"/>
           </a:p>
@@ -851,7 +851,7 @@
             </a:pPr>
             <a:fld id="{32629044-6B32-3942-908C-B16B2F9FF3AB}" type="datetime1">
               <a:rPr lang="en-US" smtClean="0"/>
-              <a:t>11/9/23</a:t>
+              <a:t>12/13/23</a:t>
             </a:fld>
             <a:endParaRPr lang="en-US"/>
           </a:p>
@@ -1053,7 +1053,7 @@
             </a:pPr>
             <a:fld id="{A0D65897-8194-DC48-9CBA-C9CDDAEBCF17}" type="datetime1">
               <a:rPr lang="en-US" smtClean="0"/>
-              <a:t>11/9/23</a:t>
+              <a:t>12/13/23</a:t>
             </a:fld>
             <a:endParaRPr lang="en-US"/>
           </a:p>
@@ -1255,7 +1255,7 @@
             </a:pPr>
             <a:fld id="{994B3DED-1805-7141-BB0F-FA90D70E761F}" type="datetime1">
               <a:rPr lang="en-US" smtClean="0"/>
-              <a:t>11/9/23</a:t>
+              <a:t>12/13/23</a:t>
             </a:fld>
             <a:endParaRPr lang="en-US"/>
           </a:p>
@@ -1525,7 +1525,7 @@
             </a:pPr>
             <a:fld id="{FD154279-2043-D646-903A-1BFBE4400801}" type="datetime1">
               <a:rPr lang="en-US" smtClean="0"/>
-              <a:t>11/9/23</a:t>
+              <a:t>12/13/23</a:t>
             </a:fld>
             <a:endParaRPr lang="en-US"/>
           </a:p>
@@ -1840,7 +1840,7 @@
             </a:pPr>
             <a:fld id="{26438A27-ED9F-5B4E-A0EA-A6225DB64048}" type="datetime1">
               <a:rPr lang="en-US" smtClean="0"/>
-              <a:t>11/9/23</a:t>
+              <a:t>12/13/23</a:t>
             </a:fld>
             <a:endParaRPr lang="en-US"/>
           </a:p>
@@ -2159,7 +2159,7 @@
             </a:pPr>
             <a:fld id="{6607C6E2-ADFA-A145-A1FC-BC1400347F7B}" type="datetime1">
               <a:rPr lang="en-US" smtClean="0"/>
-              <a:t>11/9/23</a:t>
+              <a:t>12/13/23</a:t>
             </a:fld>
             <a:endParaRPr lang="en-US"/>
           </a:p>
@@ -2300,7 +2300,7 @@
             </a:pPr>
             <a:fld id="{2E2CE1ED-098A-EA4A-96A1-B47125FB28E4}" type="datetime1">
               <a:rPr lang="en-US" smtClean="0"/>
-              <a:t>11/9/23</a:t>
+              <a:t>12/13/23</a:t>
             </a:fld>
             <a:endParaRPr lang="en-US"/>
           </a:p>
@@ -2419,7 +2419,7 @@
             </a:pPr>
             <a:fld id="{8C99683F-78D7-BF48-8FFE-60B80ABA370D}" type="datetime1">
               <a:rPr lang="en-US" smtClean="0"/>
-              <a:t>11/9/23</a:t>
+              <a:t>12/13/23</a:t>
             </a:fld>
             <a:endParaRPr lang="en-US"/>
           </a:p>
@@ -2718,7 +2718,7 @@
             </a:pPr>
             <a:fld id="{C5E377C4-D6C3-9C47-B38F-6B11C7E9E9E7}" type="datetime1">
               <a:rPr lang="en-US" smtClean="0"/>
-              <a:t>11/9/23</a:t>
+              <a:t>12/13/23</a:t>
             </a:fld>
             <a:endParaRPr lang="en-US"/>
           </a:p>
@@ -3002,7 +3002,7 @@
             </a:pPr>
             <a:fld id="{71E613B0-239F-F549-87D0-23015C47C853}" type="datetime1">
               <a:rPr lang="en-US" smtClean="0"/>
-              <a:t>11/9/23</a:t>
+              <a:t>12/13/23</a:t>
             </a:fld>
             <a:endParaRPr lang="en-US"/>
           </a:p>
@@ -3126,14 +3126,14 @@
           </a:ln>
           <a:extLst>
             <a:ext uri="{909E8E84-426E-40dd-AFC4-6F175D3DCCD1}">
-              <a14:hiddenFill xmlns:a14="http://schemas.microsoft.com/office/drawing/2010/main" xmlns="">
+              <a14:hiddenFill xmlns="" xmlns:a14="http://schemas.microsoft.com/office/drawing/2010/main">
                 <a:solidFill>
                   <a:srgbClr val="FFFFFF"/>
                 </a:solidFill>
               </a14:hiddenFill>
             </a:ext>
             <a:ext uri="{91240B29-F687-4f45-9708-019B960494DF}">
-              <a14:hiddenLine xmlns:a14="http://schemas.microsoft.com/office/drawing/2010/main" xmlns="" w="9525">
+              <a14:hiddenLine xmlns="" xmlns:a14="http://schemas.microsoft.com/office/drawing/2010/main" w="9525">
                 <a:solidFill>
                   <a:srgbClr val="000000"/>
                 </a:solidFill>
@@ -3143,7 +3143,7 @@
               </a14:hiddenLine>
             </a:ext>
             <a:ext uri="{FAA26D3D-D897-4be2-8F04-BA451C77F1D7}">
-              <ma14:placeholderFlag xmlns:ma14="http://schemas.microsoft.com/office/mac/drawingml/2011/main" xmlns="" val="1"/>
+              <ma14:placeholderFlag xmlns="" xmlns:ma14="http://schemas.microsoft.com/office/mac/drawingml/2011/main" val="1"/>
             </a:ext>
           </a:extLst>
         </p:spPr>
@@ -3194,14 +3194,14 @@
           </a:ln>
           <a:extLst>
             <a:ext uri="{909E8E84-426E-40dd-AFC4-6F175D3DCCD1}">
-              <a14:hiddenFill xmlns:a14="http://schemas.microsoft.com/office/drawing/2010/main" xmlns="">
+              <a14:hiddenFill xmlns="" xmlns:a14="http://schemas.microsoft.com/office/drawing/2010/main">
                 <a:solidFill>
                   <a:srgbClr val="FFFFFF"/>
                 </a:solidFill>
               </a14:hiddenFill>
             </a:ext>
             <a:ext uri="{91240B29-F687-4f45-9708-019B960494DF}">
-              <a14:hiddenLine xmlns:a14="http://schemas.microsoft.com/office/drawing/2010/main" xmlns="" w="9525">
+              <a14:hiddenLine xmlns="" xmlns:a14="http://schemas.microsoft.com/office/drawing/2010/main" w="9525">
                 <a:solidFill>
                   <a:srgbClr val="000000"/>
                 </a:solidFill>
@@ -3211,7 +3211,7 @@
               </a14:hiddenLine>
             </a:ext>
             <a:ext uri="{FAA26D3D-D897-4be2-8F04-BA451C77F1D7}">
-              <ma14:placeholderFlag xmlns:ma14="http://schemas.microsoft.com/office/mac/drawingml/2011/main" xmlns="" val="1"/>
+              <ma14:placeholderFlag xmlns="" xmlns:ma14="http://schemas.microsoft.com/office/mac/drawingml/2011/main" val="1"/>
             </a:ext>
           </a:extLst>
         </p:spPr>
@@ -3307,7 +3307,7 @@
             </a:pPr>
             <a:fld id="{7EDDB06A-2186-154F-AB6D-13DC07A0E4DD}" type="datetime1">
               <a:rPr lang="en-US" smtClean="0"/>
-              <a:t>11/9/23</a:t>
+              <a:t>12/13/23</a:t>
             </a:fld>
             <a:endParaRPr lang="en-US" dirty="0"/>
           </a:p>
@@ -4957,13 +4957,8 @@
           <a:p>
             <a:r>
               <a:rPr lang="en-US" sz="2200" dirty="0"/>
-              <a:t>Don’t have enough good data on irradiation effects in fast reactor </a:t>
-            </a:r>
-            <a:r>
-              <a:rPr lang="en-US" sz="2200" dirty="0" err="1"/>
-              <a:t>enrivonments</a:t>
-            </a:r>
-            <a:endParaRPr lang="en-US" sz="2200" dirty="0"/>
+              <a:t>Don’t have enough good data on irradiation effects in fast reactor environments</a:t>
+            </a:r>
           </a:p>
           <a:p>
             <a:pPr marL="0" indent="0">
